--- a/images/drone-diagram-v02.pptx
+++ b/images/drone-diagram-v02.pptx
@@ -106,7 +106,7 @@
   </p:defaultTextStyle>
   <p:extLst>
     <p:ext uri="{EFAFB233-063F-42B5-8137-9DF3F51BA10A}">
-      <p15:sldGuideLst xmlns:p15="http://schemas.microsoft.com/office/powerpoint/2012/main"/>
+      <p15:sldGuideLst xmlns:p15="http://schemas.microsoft.com/office/powerpoint/2012/main" xmlns=""/>
     </p:ext>
   </p:extLst>
 </p:presentation>
@@ -243,7 +243,7 @@
           <a:p>
             <a:fld id="{7E18895B-540A-9A46-BDB7-3FC4C5A55BCA}" type="datetimeFigureOut">
               <a:rPr lang="en-US" smtClean="0"/>
-              <a:t>2/15/16</a:t>
+              <a:t>2/25/2016</a:t>
             </a:fld>
             <a:endParaRPr lang="en-US"/>
           </a:p>
@@ -413,7 +413,7 @@
           <a:p>
             <a:fld id="{7E18895B-540A-9A46-BDB7-3FC4C5A55BCA}" type="datetimeFigureOut">
               <a:rPr lang="en-US" smtClean="0"/>
-              <a:t>2/15/16</a:t>
+              <a:t>2/25/2016</a:t>
             </a:fld>
             <a:endParaRPr lang="en-US"/>
           </a:p>
@@ -593,7 +593,7 @@
           <a:p>
             <a:fld id="{7E18895B-540A-9A46-BDB7-3FC4C5A55BCA}" type="datetimeFigureOut">
               <a:rPr lang="en-US" smtClean="0"/>
-              <a:t>2/15/16</a:t>
+              <a:t>2/25/2016</a:t>
             </a:fld>
             <a:endParaRPr lang="en-US"/>
           </a:p>
@@ -763,7 +763,7 @@
           <a:p>
             <a:fld id="{7E18895B-540A-9A46-BDB7-3FC4C5A55BCA}" type="datetimeFigureOut">
               <a:rPr lang="en-US" smtClean="0"/>
-              <a:t>2/15/16</a:t>
+              <a:t>2/25/2016</a:t>
             </a:fld>
             <a:endParaRPr lang="en-US"/>
           </a:p>
@@ -1009,7 +1009,7 @@
           <a:p>
             <a:fld id="{7E18895B-540A-9A46-BDB7-3FC4C5A55BCA}" type="datetimeFigureOut">
               <a:rPr lang="en-US" smtClean="0"/>
-              <a:t>2/15/16</a:t>
+              <a:t>2/25/2016</a:t>
             </a:fld>
             <a:endParaRPr lang="en-US"/>
           </a:p>
@@ -1241,7 +1241,7 @@
           <a:p>
             <a:fld id="{7E18895B-540A-9A46-BDB7-3FC4C5A55BCA}" type="datetimeFigureOut">
               <a:rPr lang="en-US" smtClean="0"/>
-              <a:t>2/15/16</a:t>
+              <a:t>2/25/2016</a:t>
             </a:fld>
             <a:endParaRPr lang="en-US"/>
           </a:p>
@@ -1608,7 +1608,7 @@
           <a:p>
             <a:fld id="{7E18895B-540A-9A46-BDB7-3FC4C5A55BCA}" type="datetimeFigureOut">
               <a:rPr lang="en-US" smtClean="0"/>
-              <a:t>2/15/16</a:t>
+              <a:t>2/25/2016</a:t>
             </a:fld>
             <a:endParaRPr lang="en-US"/>
           </a:p>
@@ -1726,7 +1726,7 @@
           <a:p>
             <a:fld id="{7E18895B-540A-9A46-BDB7-3FC4C5A55BCA}" type="datetimeFigureOut">
               <a:rPr lang="en-US" smtClean="0"/>
-              <a:t>2/15/16</a:t>
+              <a:t>2/25/2016</a:t>
             </a:fld>
             <a:endParaRPr lang="en-US"/>
           </a:p>
@@ -1821,7 +1821,7 @@
           <a:p>
             <a:fld id="{7E18895B-540A-9A46-BDB7-3FC4C5A55BCA}" type="datetimeFigureOut">
               <a:rPr lang="en-US" smtClean="0"/>
-              <a:t>2/15/16</a:t>
+              <a:t>2/25/2016</a:t>
             </a:fld>
             <a:endParaRPr lang="en-US"/>
           </a:p>
@@ -2098,7 +2098,7 @@
           <a:p>
             <a:fld id="{7E18895B-540A-9A46-BDB7-3FC4C5A55BCA}" type="datetimeFigureOut">
               <a:rPr lang="en-US" smtClean="0"/>
-              <a:t>2/15/16</a:t>
+              <a:t>2/25/2016</a:t>
             </a:fld>
             <a:endParaRPr lang="en-US"/>
           </a:p>
@@ -2351,7 +2351,7 @@
           <a:p>
             <a:fld id="{7E18895B-540A-9A46-BDB7-3FC4C5A55BCA}" type="datetimeFigureOut">
               <a:rPr lang="en-US" smtClean="0"/>
-              <a:t>2/15/16</a:t>
+              <a:t>2/25/2016</a:t>
             </a:fld>
             <a:endParaRPr lang="en-US"/>
           </a:p>
@@ -2564,7 +2564,7 @@
           <a:p>
             <a:fld id="{7E18895B-540A-9A46-BDB7-3FC4C5A55BCA}" type="datetimeFigureOut">
               <a:rPr lang="en-US" smtClean="0"/>
-              <a:t>2/15/16</a:t>
+              <a:t>2/25/2016</a:t>
             </a:fld>
             <a:endParaRPr lang="en-US"/>
           </a:p>
@@ -2969,6 +2969,60 @@
           <a:chExt cx="0" cy="0"/>
         </a:xfrm>
       </p:grpSpPr>
+      <p:pic>
+        <p:nvPicPr>
+          <p:cNvPr id="1026" name="Picture 2"/>
+          <p:cNvPicPr>
+            <a:picLocks noChangeAspect="1" noChangeArrowheads="1"/>
+          </p:cNvPicPr>
+          <p:nvPr/>
+        </p:nvPicPr>
+        <p:blipFill>
+          <a:blip r:embed="rId2">
+            <a:extLst>
+              <a:ext uri="{28A0092B-C50C-407E-A947-70E740481C1C}">
+                <a14:useLocalDpi xmlns:a14="http://schemas.microsoft.com/office/drawing/2010/main" val="0"/>
+              </a:ext>
+            </a:extLst>
+          </a:blip>
+          <a:srcRect/>
+          <a:stretch>
+            <a:fillRect/>
+          </a:stretch>
+        </p:blipFill>
+        <p:spPr bwMode="auto">
+          <a:xfrm>
+            <a:off x="3471973" y="4271550"/>
+            <a:ext cx="628650" cy="838200"/>
+          </a:xfrm>
+          <a:prstGeom prst="rect">
+            <a:avLst/>
+          </a:prstGeom>
+          <a:noFill/>
+          <a:ln>
+            <a:noFill/>
+          </a:ln>
+          <a:extLst>
+            <a:ext uri="{909E8E84-426E-40DD-AFC4-6F175D3DCCD1}">
+              <a14:hiddenFill xmlns:a14="http://schemas.microsoft.com/office/drawing/2010/main">
+                <a:solidFill>
+                  <a:schemeClr val="accent1"/>
+                </a:solidFill>
+              </a14:hiddenFill>
+            </a:ext>
+            <a:ext uri="{91240B29-F687-4F45-9708-019B960494DF}">
+              <a14:hiddenLine xmlns:a14="http://schemas.microsoft.com/office/drawing/2010/main" w="9525">
+                <a:solidFill>
+                  <a:schemeClr val="tx1"/>
+                </a:solidFill>
+                <a:miter lim="800000"/>
+                <a:headEnd/>
+                <a:tailEnd/>
+              </a14:hiddenLine>
+            </a:ext>
+          </a:extLst>
+        </p:spPr>
+      </p:pic>
       <p:cxnSp>
         <p:nvCxnSpPr>
           <p:cNvPr id="34" name="Straight Connector 33"/>
@@ -2980,8 +3034,8 @@
         </p:nvCxnSpPr>
         <p:spPr>
           <a:xfrm flipH="1" flipV="1">
-            <a:off x="8787479" y="1667678"/>
-            <a:ext cx="357678" cy="1497"/>
+            <a:off x="8493017" y="1667678"/>
+            <a:ext cx="357678" cy="75927"/>
           </a:xfrm>
           <a:prstGeom prst="line">
             <a:avLst/>
@@ -3113,7 +3167,7 @@
           <p:nvPr/>
         </p:nvPicPr>
         <p:blipFill>
-          <a:blip r:embed="rId2"/>
+          <a:blip r:embed="rId3"/>
           <a:stretch>
             <a:fillRect/>
           </a:stretch>
@@ -3136,7 +3190,7 @@
         </p:nvSpPr>
         <p:spPr>
           <a:xfrm>
-            <a:off x="9016879" y="1438047"/>
+            <a:off x="8722417" y="1438047"/>
             <a:ext cx="2399981" cy="2243413"/>
           </a:xfrm>
           <a:prstGeom prst="rect">
@@ -3414,7 +3468,7 @@
         </p:nvCxnSpPr>
         <p:spPr>
           <a:xfrm>
-            <a:off x="7594832" y="2699093"/>
+            <a:off x="7312504" y="2699093"/>
             <a:ext cx="1409913" cy="2107"/>
           </a:xfrm>
           <a:prstGeom prst="line">
@@ -3451,7 +3505,7 @@
         <p:spPr>
           <a:xfrm>
             <a:off x="6069726" y="3746525"/>
-            <a:ext cx="31531" cy="680684"/>
+            <a:ext cx="0" cy="680684"/>
           </a:xfrm>
           <a:prstGeom prst="line">
             <a:avLst/>
@@ -3486,8 +3540,8 @@
         </p:nvCxnSpPr>
         <p:spPr>
           <a:xfrm flipV="1">
-            <a:off x="7267905" y="3746525"/>
-            <a:ext cx="60523" cy="680684"/>
+            <a:off x="7267905" y="3691097"/>
+            <a:ext cx="0" cy="736112"/>
           </a:xfrm>
           <a:prstGeom prst="line">
             <a:avLst/>
@@ -3517,43 +3571,13 @@
       </p:cxnSp>
       <p:sp>
         <p:nvSpPr>
-          <p:cNvPr id="30" name="TextBox 29"/>
-          <p:cNvSpPr txBox="1"/>
-          <p:nvPr/>
-        </p:nvSpPr>
-        <p:spPr>
-          <a:xfrm>
-            <a:off x="6128178" y="3681461"/>
-            <a:ext cx="908326" cy="307777"/>
-          </a:xfrm>
-          <a:prstGeom prst="rect">
-            <a:avLst/>
-          </a:prstGeom>
-          <a:noFill/>
-        </p:spPr>
-        <p:txBody>
-          <a:bodyPr wrap="none" rtlCol="0">
-            <a:spAutoFit/>
-          </a:bodyPr>
-          <a:lstStyle/>
-          <a:p>
-            <a:r>
-              <a:rPr lang="en-US" sz="1400" smtClean="0"/>
-              <a:t>bluetooth</a:t>
-            </a:r>
-            <a:endParaRPr lang="en-US" sz="1400" dirty="0"/>
-          </a:p>
-        </p:txBody>
-      </p:sp>
-      <p:sp>
-        <p:nvSpPr>
           <p:cNvPr id="42" name="Rectangle 41"/>
           <p:cNvSpPr/>
           <p:nvPr/>
         </p:nvSpPr>
         <p:spPr>
           <a:xfrm>
-            <a:off x="9260578" y="4371199"/>
+            <a:off x="8966116" y="4371199"/>
             <a:ext cx="836817" cy="466166"/>
           </a:xfrm>
           <a:prstGeom prst="rect">
@@ -3615,8 +3639,8 @@
         </p:nvSpPr>
         <p:spPr>
           <a:xfrm>
-            <a:off x="7401930" y="3741219"/>
-            <a:ext cx="910827" cy="523220"/>
+            <a:off x="7239201" y="3787713"/>
+            <a:ext cx="891654" cy="523220"/>
           </a:xfrm>
           <a:prstGeom prst="rect">
             <a:avLst/>
@@ -3631,14 +3655,13 @@
           <a:p>
             <a:r>
               <a:rPr lang="en-US" sz="1400" i="1" dirty="0" smtClean="0"/>
-              <a:t>Comm via</a:t>
-            </a:r>
-            <a:br>
+              <a:t>HTTP API</a:t>
+            </a:r>
+          </a:p>
+          <a:p>
+            <a:r>
               <a:rPr lang="en-US" sz="1400" i="1" dirty="0" smtClean="0"/>
-            </a:br>
-            <a:r>
-              <a:rPr lang="en-US" sz="1400" i="1" dirty="0" smtClean="0"/>
-              <a:t>HTTP API</a:t>
+              <a:t>Bluetooth</a:t>
             </a:r>
             <a:endParaRPr lang="en-US" sz="1400" i="1" dirty="0"/>
           </a:p>
@@ -3652,8 +3675,8 @@
         </p:nvSpPr>
         <p:spPr>
           <a:xfrm>
-            <a:off x="9145157" y="1491817"/>
-            <a:ext cx="1004554" cy="354716"/>
+            <a:off x="8850695" y="1491816"/>
+            <a:ext cx="1004554" cy="503577"/>
           </a:xfrm>
           <a:prstGeom prst="rect">
             <a:avLst/>
@@ -3691,12 +3714,31 @@
           <a:p>
             <a:pPr algn="r"/>
             <a:r>
-              <a:rPr lang="en-US" sz="1400" smtClean="0">
+              <a:rPr lang="en-US" sz="1400" dirty="0" smtClean="0">
                 <a:latin typeface="Avenir Book" charset="0"/>
                 <a:ea typeface="Avenir Book" charset="0"/>
                 <a:cs typeface="Avenir Book" charset="0"/>
               </a:rPr>
-              <a:t>3D model</a:t>
+              <a:t>3D </a:t>
+            </a:r>
+            <a:r>
+              <a:rPr lang="en-US" sz="1400" dirty="0" smtClean="0">
+                <a:latin typeface="Avenir Book" charset="0"/>
+                <a:ea typeface="Avenir Book" charset="0"/>
+                <a:cs typeface="Avenir Book" charset="0"/>
+              </a:rPr>
+              <a:t>model</a:t>
+            </a:r>
+          </a:p>
+          <a:p>
+            <a:pPr algn="r"/>
+            <a:r>
+              <a:rPr lang="en-US" sz="1400" dirty="0" smtClean="0">
+                <a:latin typeface="Avenir Book" charset="0"/>
+                <a:ea typeface="Avenir Book" charset="0"/>
+                <a:cs typeface="Avenir Book" charset="0"/>
+              </a:rPr>
+              <a:t>(Minecraft)</a:t>
             </a:r>
             <a:endParaRPr lang="en-US" sz="1400" dirty="0" smtClean="0">
               <a:latin typeface="Avenir Book" charset="0"/>
@@ -3714,7 +3756,7 @@
         </p:nvSpPr>
         <p:spPr>
           <a:xfrm>
-            <a:off x="10486482" y="1948266"/>
+            <a:off x="10192020" y="1948266"/>
             <a:ext cx="836817" cy="466166"/>
           </a:xfrm>
           <a:prstGeom prst="rect">
@@ -3776,7 +3818,7 @@
         </p:nvSpPr>
         <p:spPr>
           <a:xfrm>
-            <a:off x="9149547" y="2559014"/>
+            <a:off x="8855085" y="2559014"/>
             <a:ext cx="1092793" cy="466166"/>
           </a:xfrm>
           <a:prstGeom prst="rect">
@@ -3833,7 +3875,7 @@
         </p:nvSpPr>
         <p:spPr>
           <a:xfrm>
-            <a:off x="10486483" y="2554709"/>
+            <a:off x="10192021" y="2554709"/>
             <a:ext cx="836817" cy="466166"/>
           </a:xfrm>
           <a:prstGeom prst="rect">
@@ -3891,7 +3933,7 @@
         <p:spPr>
           <a:xfrm>
             <a:off x="3332133" y="2772950"/>
-            <a:ext cx="836817" cy="466166"/>
+            <a:ext cx="1129635" cy="326314"/>
           </a:xfrm>
           <a:prstGeom prst="rect">
             <a:avLst/>
@@ -3925,15 +3967,20 @@
           <a:bodyPr lIns="68681" tIns="34340" rIns="68681" bIns="34340" rtlCol="0" anchor="t"/>
           <a:lstStyle/>
           <a:p>
-            <a:pPr algn="r"/>
+            <a:pPr algn="ctr"/>
             <a:r>
               <a:rPr lang="en-US" sz="1400" dirty="0" smtClean="0">
                 <a:latin typeface="Avenir Book" charset="0"/>
                 <a:ea typeface="Avenir Book" charset="0"/>
                 <a:cs typeface="Avenir Book" charset="0"/>
               </a:rPr>
-              <a:t>route planning</a:t>
-            </a:r>
+              <a:t>Lightbridge</a:t>
+            </a:r>
+            <a:endParaRPr lang="en-US" sz="1400" dirty="0" smtClean="0">
+              <a:latin typeface="Avenir Book" charset="0"/>
+              <a:ea typeface="Avenir Book" charset="0"/>
+              <a:cs typeface="Avenir Book" charset="0"/>
+            </a:endParaRPr>
           </a:p>
         </p:txBody>
       </p:sp>
@@ -3980,7 +4027,7 @@
           <a:bodyPr lIns="68681" tIns="34340" rIns="68681" bIns="34340" rtlCol="0" anchor="t"/>
           <a:lstStyle/>
           <a:p>
-            <a:pPr algn="r"/>
+            <a:pPr algn="ctr"/>
             <a:r>
               <a:rPr lang="en-US" sz="1400" smtClean="0">
                 <a:latin typeface="Avenir Book" charset="0"/>
@@ -4065,7 +4112,7 @@
         </p:nvSpPr>
         <p:spPr>
           <a:xfrm>
-            <a:off x="7866993" y="1436550"/>
+            <a:off x="7572531" y="1436550"/>
             <a:ext cx="920486" cy="462256"/>
           </a:xfrm>
           <a:prstGeom prst="rect">
@@ -4116,69 +4163,14 @@
       </p:sp>
       <p:sp>
         <p:nvSpPr>
-          <p:cNvPr id="32" name="Rectangle 31"/>
-          <p:cNvSpPr/>
-          <p:nvPr/>
-        </p:nvSpPr>
-        <p:spPr>
-          <a:xfrm>
-            <a:off x="4159136" y="4120290"/>
-            <a:ext cx="965144" cy="462256"/>
-          </a:xfrm>
-          <a:prstGeom prst="rect">
-            <a:avLst/>
-          </a:prstGeom>
-          <a:solidFill>
-            <a:schemeClr val="accent4"/>
-          </a:solidFill>
-          <a:ln>
-            <a:solidFill>
-              <a:schemeClr val="bg1"/>
-            </a:solidFill>
-          </a:ln>
-        </p:spPr>
-        <p:style>
-          <a:lnRef idx="2">
-            <a:schemeClr val="accent1">
-              <a:shade val="50000"/>
-            </a:schemeClr>
-          </a:lnRef>
-          <a:fillRef idx="1">
-            <a:schemeClr val="accent1"/>
-          </a:fillRef>
-          <a:effectRef idx="0">
-            <a:schemeClr val="accent1"/>
-          </a:effectRef>
-          <a:fontRef idx="minor">
-            <a:schemeClr val="lt1"/>
-          </a:fontRef>
-        </p:style>
-        <p:txBody>
-          <a:bodyPr lIns="68681" tIns="34340" rIns="68681" bIns="34340" rtlCol="0" anchor="t"/>
-          <a:lstStyle/>
-          <a:p>
-            <a:pPr algn="ctr"/>
-            <a:r>
-              <a:rPr lang="en-US" sz="1400" dirty="0" smtClean="0">
-                <a:latin typeface="Avenir Book" charset="0"/>
-                <a:ea typeface="Avenir Book" charset="0"/>
-                <a:cs typeface="Avenir Book" charset="0"/>
-              </a:rPr>
-              <a:t>stock controller</a:t>
-            </a:r>
-          </a:p>
-        </p:txBody>
-      </p:sp>
-      <p:sp>
-        <p:nvSpPr>
           <p:cNvPr id="33" name="Rectangle 32"/>
           <p:cNvSpPr/>
           <p:nvPr/>
         </p:nvSpPr>
         <p:spPr>
           <a:xfrm>
-            <a:off x="2067209" y="3633044"/>
-            <a:ext cx="1113455" cy="466166"/>
+            <a:off x="833036" y="2056542"/>
+            <a:ext cx="956464" cy="466166"/>
           </a:xfrm>
           <a:prstGeom prst="rect">
             <a:avLst/>
@@ -4468,15 +4460,13 @@
       <p:cxnSp>
         <p:nvCxnSpPr>
           <p:cNvPr id="49" name="Straight Connector 48"/>
-          <p:cNvCxnSpPr>
-            <a:stCxn id="32" idx="1"/>
-          </p:cNvCxnSpPr>
+          <p:cNvCxnSpPr/>
           <p:nvPr/>
         </p:nvCxnSpPr>
         <p:spPr>
-          <a:xfrm flipH="1" flipV="1">
-            <a:off x="3898464" y="3988192"/>
-            <a:ext cx="260672" cy="363226"/>
+          <a:xfrm flipV="1">
+            <a:off x="3780715" y="3988192"/>
+            <a:ext cx="1514" cy="443526"/>
           </a:xfrm>
           <a:prstGeom prst="line">
             <a:avLst/>
@@ -4511,7 +4501,7 @@
         </p:nvSpPr>
         <p:spPr>
           <a:xfrm>
-            <a:off x="9173073" y="3123328"/>
+            <a:off x="8878611" y="3123328"/>
             <a:ext cx="1073455" cy="466166"/>
           </a:xfrm>
           <a:prstGeom prst="rect">
@@ -4588,7 +4578,7 @@
         </p:nvSpPr>
         <p:spPr>
           <a:xfrm>
-            <a:off x="10231125" y="4359166"/>
+            <a:off x="9936663" y="4359166"/>
             <a:ext cx="949112" cy="466166"/>
           </a:xfrm>
           <a:prstGeom prst="rect">
@@ -4650,7 +4640,7 @@
         </p:nvCxnSpPr>
         <p:spPr>
           <a:xfrm flipV="1">
-            <a:off x="9709800" y="3691097"/>
+            <a:off x="9415338" y="3691097"/>
             <a:ext cx="60523" cy="680684"/>
           </a:xfrm>
           <a:prstGeom prst="line">
@@ -4687,7 +4677,7 @@
         </p:nvCxnSpPr>
         <p:spPr>
           <a:xfrm flipV="1">
-            <a:off x="10675419" y="3690515"/>
+            <a:off x="10380957" y="3690515"/>
             <a:ext cx="60523" cy="680684"/>
           </a:xfrm>
           <a:prstGeom prst="line">
@@ -4761,7 +4751,7 @@
         </p:nvSpPr>
         <p:spPr>
           <a:xfrm>
-            <a:off x="2912250" y="1269895"/>
+            <a:off x="2912250" y="1409377"/>
             <a:ext cx="1079859" cy="462256"/>
           </a:xfrm>
           <a:prstGeom prst="rect">
@@ -4821,44 +4811,6 @@
           </a:p>
         </p:txBody>
       </p:sp>
-      <p:cxnSp>
-        <p:nvCxnSpPr>
-          <p:cNvPr id="43" name="Straight Connector 42"/>
-          <p:cNvCxnSpPr>
-            <a:stCxn id="41" idx="3"/>
-          </p:cNvCxnSpPr>
-          <p:nvPr/>
-        </p:nvCxnSpPr>
-        <p:spPr>
-          <a:xfrm>
-            <a:off x="3992109" y="1501023"/>
-            <a:ext cx="1424165" cy="1053686"/>
-          </a:xfrm>
-          <a:prstGeom prst="line">
-            <a:avLst/>
-          </a:prstGeom>
-          <a:ln>
-            <a:solidFill>
-              <a:schemeClr val="tx1"/>
-            </a:solidFill>
-            <a:tailEnd type="triangle" w="lg" len="med"/>
-          </a:ln>
-        </p:spPr>
-        <p:style>
-          <a:lnRef idx="1">
-            <a:schemeClr val="accent1"/>
-          </a:lnRef>
-          <a:fillRef idx="0">
-            <a:schemeClr val="accent1"/>
-          </a:fillRef>
-          <a:effectRef idx="0">
-            <a:schemeClr val="accent1"/>
-          </a:effectRef>
-          <a:fontRef idx="minor">
-            <a:schemeClr val="tx1"/>
-          </a:fontRef>
-        </p:style>
-      </p:cxnSp>
       <p:sp>
         <p:nvSpPr>
           <p:cNvPr id="44" name="Rectangle 43"/>
@@ -4867,8 +4819,8 @@
         </p:nvSpPr>
         <p:spPr>
           <a:xfrm>
-            <a:off x="3902533" y="1701124"/>
-            <a:ext cx="1244681" cy="315472"/>
+            <a:off x="3445342" y="1160348"/>
+            <a:ext cx="901103" cy="315472"/>
           </a:xfrm>
           <a:prstGeom prst="rect">
             <a:avLst/>
@@ -4898,9 +4850,138 @@
           <a:bodyPr lIns="68681" tIns="34340" rIns="68681" bIns="34340" rtlCol="0" anchor="t"/>
           <a:lstStyle/>
           <a:p>
-            <a:pPr algn="r"/>
-            <a:r>
-              <a:rPr lang="en-US" sz="1400" smtClean="0">
+            <a:r>
+              <a:rPr lang="en-US" sz="1400" dirty="0" smtClean="0">
+                <a:solidFill>
+                  <a:schemeClr val="bg1">
+                    <a:lumMod val="85000"/>
+                  </a:schemeClr>
+                </a:solidFill>
+                <a:latin typeface="Avenir Book" charset="0"/>
+                <a:ea typeface="Avenir Book" charset="0"/>
+                <a:cs typeface="Avenir Book" charset="0"/>
+              </a:rPr>
+              <a:t>iPhone</a:t>
+            </a:r>
+            <a:endParaRPr lang="en-US" sz="1400" dirty="0" smtClean="0">
+              <a:solidFill>
+                <a:schemeClr val="bg1">
+                  <a:lumMod val="85000"/>
+                </a:schemeClr>
+              </a:solidFill>
+              <a:latin typeface="Avenir Book" charset="0"/>
+              <a:ea typeface="Avenir Book" charset="0"/>
+              <a:cs typeface="Avenir Book" charset="0"/>
+            </a:endParaRPr>
+          </a:p>
+        </p:txBody>
+      </p:sp>
+      <p:sp>
+        <p:nvSpPr>
+          <p:cNvPr id="45" name="Rectangle 44"/>
+          <p:cNvSpPr/>
+          <p:nvPr/>
+        </p:nvSpPr>
+        <p:spPr>
+          <a:xfrm>
+            <a:off x="4120812" y="1158913"/>
+            <a:ext cx="1249360" cy="315472"/>
+          </a:xfrm>
+          <a:prstGeom prst="rect">
+            <a:avLst/>
+          </a:prstGeom>
+          <a:noFill/>
+          <a:ln>
+            <a:noFill/>
+          </a:ln>
+        </p:spPr>
+        <p:style>
+          <a:lnRef idx="2">
+            <a:schemeClr val="accent1">
+              <a:shade val="50000"/>
+            </a:schemeClr>
+          </a:lnRef>
+          <a:fillRef idx="1">
+            <a:schemeClr val="accent1"/>
+          </a:fillRef>
+          <a:effectRef idx="0">
+            <a:schemeClr val="accent1"/>
+          </a:effectRef>
+          <a:fontRef idx="minor">
+            <a:schemeClr val="lt1"/>
+          </a:fontRef>
+        </p:style>
+        <p:txBody>
+          <a:bodyPr lIns="68681" tIns="34340" rIns="68681" bIns="34340" rtlCol="0" anchor="t"/>
+          <a:lstStyle/>
+          <a:p>
+            <a:r>
+              <a:rPr lang="en-US" sz="1400" dirty="0" smtClean="0">
+                <a:solidFill>
+                  <a:schemeClr val="bg1">
+                    <a:lumMod val="85000"/>
+                  </a:schemeClr>
+                </a:solidFill>
+                <a:latin typeface="Avenir Book" charset="0"/>
+                <a:ea typeface="Avenir Book" charset="0"/>
+                <a:cs typeface="Avenir Book" charset="0"/>
+              </a:rPr>
+              <a:t>LTE cellular</a:t>
+            </a:r>
+            <a:endParaRPr lang="en-US" sz="1400" dirty="0" smtClean="0">
+              <a:solidFill>
+                <a:schemeClr val="bg1">
+                  <a:lumMod val="85000"/>
+                </a:schemeClr>
+              </a:solidFill>
+              <a:latin typeface="Avenir Book" charset="0"/>
+              <a:ea typeface="Avenir Book" charset="0"/>
+              <a:cs typeface="Avenir Book" charset="0"/>
+            </a:endParaRPr>
+          </a:p>
+        </p:txBody>
+      </p:sp>
+      <p:sp>
+        <p:nvSpPr>
+          <p:cNvPr id="50" name="Rectangle 49"/>
+          <p:cNvSpPr/>
+          <p:nvPr/>
+        </p:nvSpPr>
+        <p:spPr>
+          <a:xfrm>
+            <a:off x="939211" y="3274022"/>
+            <a:ext cx="1455277" cy="315472"/>
+          </a:xfrm>
+          <a:prstGeom prst="rect">
+            <a:avLst/>
+          </a:prstGeom>
+          <a:noFill/>
+          <a:ln>
+            <a:noFill/>
+          </a:ln>
+        </p:spPr>
+        <p:style>
+          <a:lnRef idx="2">
+            <a:schemeClr val="accent1">
+              <a:shade val="50000"/>
+            </a:schemeClr>
+          </a:lnRef>
+          <a:fillRef idx="1">
+            <a:schemeClr val="accent1"/>
+          </a:fillRef>
+          <a:effectRef idx="0">
+            <a:schemeClr val="accent1"/>
+          </a:effectRef>
+          <a:fontRef idx="minor">
+            <a:schemeClr val="lt1"/>
+          </a:fontRef>
+        </p:style>
+        <p:txBody>
+          <a:bodyPr lIns="68681" tIns="34340" rIns="68681" bIns="34340" rtlCol="0" anchor="t"/>
+          <a:lstStyle/>
+          <a:p>
+            <a:r>
+              <a:rPr lang="en-US" sz="1400" dirty="0" smtClean="0">
                 <a:solidFill>
                   <a:schemeClr val="tx1"/>
                 </a:solidFill>
@@ -4908,7 +4989,224 @@
                 <a:ea typeface="Avenir Book" charset="0"/>
                 <a:cs typeface="Avenir Book" charset="0"/>
               </a:rPr>
-              <a:t>temperature?</a:t>
+              <a:t>Deep learning</a:t>
+            </a:r>
+            <a:endParaRPr lang="en-US" sz="1400" dirty="0" smtClean="0">
+              <a:solidFill>
+                <a:schemeClr val="tx1"/>
+              </a:solidFill>
+              <a:latin typeface="Avenir Book" charset="0"/>
+              <a:ea typeface="Avenir Book" charset="0"/>
+              <a:cs typeface="Avenir Book" charset="0"/>
+            </a:endParaRPr>
+          </a:p>
+        </p:txBody>
+      </p:sp>
+      <p:sp>
+        <p:nvSpPr>
+          <p:cNvPr id="51" name="Rectangle 50"/>
+          <p:cNvSpPr/>
+          <p:nvPr/>
+        </p:nvSpPr>
+        <p:spPr>
+          <a:xfrm>
+            <a:off x="949068" y="3559879"/>
+            <a:ext cx="2235834" cy="315472"/>
+          </a:xfrm>
+          <a:prstGeom prst="rect">
+            <a:avLst/>
+          </a:prstGeom>
+          <a:noFill/>
+          <a:ln>
+            <a:noFill/>
+          </a:ln>
+        </p:spPr>
+        <p:style>
+          <a:lnRef idx="2">
+            <a:schemeClr val="accent1">
+              <a:shade val="50000"/>
+            </a:schemeClr>
+          </a:lnRef>
+          <a:fillRef idx="1">
+            <a:schemeClr val="accent1"/>
+          </a:fillRef>
+          <a:effectRef idx="0">
+            <a:schemeClr val="accent1"/>
+          </a:effectRef>
+          <a:fontRef idx="minor">
+            <a:schemeClr val="lt1"/>
+          </a:fontRef>
+        </p:style>
+        <p:txBody>
+          <a:bodyPr lIns="68681" tIns="34340" rIns="68681" bIns="34340" rtlCol="0" anchor="t"/>
+          <a:lstStyle/>
+          <a:p>
+            <a:r>
+              <a:rPr lang="en-US" sz="1400" dirty="0" smtClean="0">
+                <a:solidFill>
+                  <a:schemeClr val="tx1"/>
+                </a:solidFill>
+                <a:latin typeface="Avenir Book" charset="0"/>
+                <a:ea typeface="Avenir Book" charset="0"/>
+                <a:cs typeface="Avenir Book" charset="0"/>
+              </a:rPr>
+              <a:t>AprilTags recognition</a:t>
+            </a:r>
+            <a:endParaRPr lang="en-US" sz="1400" dirty="0" smtClean="0">
+              <a:solidFill>
+                <a:schemeClr val="tx1"/>
+              </a:solidFill>
+              <a:latin typeface="Avenir Book" charset="0"/>
+              <a:ea typeface="Avenir Book" charset="0"/>
+              <a:cs typeface="Avenir Book" charset="0"/>
+            </a:endParaRPr>
+          </a:p>
+        </p:txBody>
+      </p:sp>
+      <p:cxnSp>
+        <p:nvCxnSpPr>
+          <p:cNvPr id="10" name="Elbow Connector 9"/>
+          <p:cNvCxnSpPr>
+            <a:stCxn id="41" idx="0"/>
+            <a:endCxn id="7" idx="0"/>
+          </p:cNvCxnSpPr>
+          <p:nvPr/>
+        </p:nvCxnSpPr>
+        <p:spPr>
+          <a:xfrm rot="16200000" flipH="1">
+            <a:off x="6672959" y="-1811402"/>
+            <a:ext cx="28670" cy="6470228"/>
+          </a:xfrm>
+          <a:prstGeom prst="bentConnector3">
+            <a:avLst>
+              <a:gd name="adj1" fmla="val -797349"/>
+            </a:avLst>
+          </a:prstGeom>
+          <a:ln>
+            <a:tailEnd type="arrow"/>
+          </a:ln>
+        </p:spPr>
+        <p:style>
+          <a:lnRef idx="1">
+            <a:schemeClr val="accent1"/>
+          </a:lnRef>
+          <a:fillRef idx="0">
+            <a:schemeClr val="accent1"/>
+          </a:fillRef>
+          <a:effectRef idx="0">
+            <a:schemeClr val="accent1"/>
+          </a:effectRef>
+          <a:fontRef idx="minor">
+            <a:schemeClr val="tx1"/>
+          </a:fontRef>
+        </p:style>
+      </p:cxnSp>
+      <p:sp>
+        <p:nvSpPr>
+          <p:cNvPr id="52" name="Rectangle 51"/>
+          <p:cNvSpPr/>
+          <p:nvPr/>
+        </p:nvSpPr>
+        <p:spPr>
+          <a:xfrm>
+            <a:off x="2210055" y="3875351"/>
+            <a:ext cx="836817" cy="466166"/>
+          </a:xfrm>
+          <a:prstGeom prst="rect">
+            <a:avLst/>
+          </a:prstGeom>
+          <a:solidFill>
+            <a:schemeClr val="accent4"/>
+          </a:solidFill>
+          <a:ln>
+            <a:solidFill>
+              <a:schemeClr val="bg1"/>
+            </a:solidFill>
+          </a:ln>
+        </p:spPr>
+        <p:style>
+          <a:lnRef idx="2">
+            <a:schemeClr val="accent1">
+              <a:shade val="50000"/>
+            </a:schemeClr>
+          </a:lnRef>
+          <a:fillRef idx="1">
+            <a:schemeClr val="accent1"/>
+          </a:fillRef>
+          <a:effectRef idx="0">
+            <a:schemeClr val="accent1"/>
+          </a:effectRef>
+          <a:fontRef idx="minor">
+            <a:schemeClr val="lt1"/>
+          </a:fontRef>
+        </p:style>
+        <p:txBody>
+          <a:bodyPr lIns="68681" tIns="34340" rIns="68681" bIns="34340" rtlCol="0" anchor="t"/>
+          <a:lstStyle/>
+          <a:p>
+            <a:pPr algn="ctr"/>
+            <a:r>
+              <a:rPr lang="en-US" sz="1400" dirty="0" smtClean="0">
+                <a:latin typeface="Avenir Book" charset="0"/>
+                <a:ea typeface="Avenir Book" charset="0"/>
+                <a:cs typeface="Avenir Book" charset="0"/>
+              </a:rPr>
+              <a:t>route planning</a:t>
+            </a:r>
+          </a:p>
+        </p:txBody>
+      </p:sp>
+      <p:sp>
+        <p:nvSpPr>
+          <p:cNvPr id="32" name="Rectangle 31"/>
+          <p:cNvSpPr/>
+          <p:nvPr/>
+        </p:nvSpPr>
+        <p:spPr>
+          <a:xfrm>
+            <a:off x="3863072" y="4166348"/>
+            <a:ext cx="965144" cy="462256"/>
+          </a:xfrm>
+          <a:prstGeom prst="rect">
+            <a:avLst/>
+          </a:prstGeom>
+          <a:noFill/>
+          <a:ln>
+            <a:solidFill>
+              <a:schemeClr val="bg1"/>
+            </a:solidFill>
+          </a:ln>
+        </p:spPr>
+        <p:style>
+          <a:lnRef idx="2">
+            <a:schemeClr val="accent1">
+              <a:shade val="50000"/>
+            </a:schemeClr>
+          </a:lnRef>
+          <a:fillRef idx="1">
+            <a:schemeClr val="accent1"/>
+          </a:fillRef>
+          <a:effectRef idx="0">
+            <a:schemeClr val="accent1"/>
+          </a:effectRef>
+          <a:fontRef idx="minor">
+            <a:schemeClr val="lt1"/>
+          </a:fontRef>
+        </p:style>
+        <p:txBody>
+          <a:bodyPr lIns="68681" tIns="34340" rIns="68681" bIns="34340" rtlCol="0" anchor="t"/>
+          <a:lstStyle/>
+          <a:p>
+            <a:r>
+              <a:rPr lang="en-US" sz="1400" dirty="0" smtClean="0">
+                <a:solidFill>
+                  <a:schemeClr val="tx1"/>
+                </a:solidFill>
+                <a:latin typeface="Avenir Book" charset="0"/>
+                <a:ea typeface="Avenir Book" charset="0"/>
+                <a:cs typeface="Avenir Book" charset="0"/>
+              </a:rPr>
+              <a:t>stick controller</a:t>
             </a:r>
             <a:endParaRPr lang="en-US" sz="1400" dirty="0" smtClean="0">
               <a:solidFill>
@@ -6193,21 +6491,39 @@
                                   </p:childTnLst>
                                 </p:cTn>
                               </p:par>
+                            </p:childTnLst>
+                          </p:cTn>
+                        </p:par>
+                      </p:childTnLst>
+                    </p:cTn>
+                  </p:par>
+                  <p:par>
+                    <p:cTn id="111" fill="hold">
+                      <p:stCondLst>
+                        <p:cond delay="indefinite"/>
+                      </p:stCondLst>
+                      <p:childTnLst>
+                        <p:par>
+                          <p:cTn id="112" fill="hold">
+                            <p:stCondLst>
+                              <p:cond delay="0"/>
+                            </p:stCondLst>
+                            <p:childTnLst>
                               <p:par>
-                                <p:cTn id="111" presetID="1" presetClass="entr" presetSubtype="0" fill="hold" nodeType="withEffect">
+                                <p:cTn id="113" presetID="1" presetClass="entr" presetSubtype="0" fill="hold" grpId="0" nodeType="clickEffect">
                                   <p:stCondLst>
                                     <p:cond delay="0"/>
                                   </p:stCondLst>
                                   <p:childTnLst>
                                     <p:set>
                                       <p:cBhvr>
-                                        <p:cTn id="112" dur="1" fill="hold">
+                                        <p:cTn id="114" dur="1" fill="hold">
                                           <p:stCondLst>
                                             <p:cond delay="0"/>
                                           </p:stCondLst>
                                         </p:cTn>
                                         <p:tgtEl>
-                                          <p:spTgt spid="43"/>
+                                          <p:spTgt spid="44"/>
                                         </p:tgtEl>
                                         <p:attrNameLst>
                                           <p:attrName>style.visibility</p:attrName>
@@ -6227,32 +6543,167 @@
                     </p:cTn>
                   </p:par>
                   <p:par>
-                    <p:cTn id="113" fill="hold">
+                    <p:cTn id="115" fill="hold">
                       <p:stCondLst>
                         <p:cond delay="indefinite"/>
                       </p:stCondLst>
                       <p:childTnLst>
                         <p:par>
-                          <p:cTn id="114" fill="hold">
+                          <p:cTn id="116" fill="hold">
                             <p:stCondLst>
                               <p:cond delay="0"/>
                             </p:stCondLst>
                             <p:childTnLst>
                               <p:par>
-                                <p:cTn id="115" presetID="1" presetClass="entr" presetSubtype="0" fill="hold" grpId="0" nodeType="clickEffect">
+                                <p:cTn id="117" presetID="1" presetClass="entr" presetSubtype="0" fill="hold" grpId="0" nodeType="clickEffect">
                                   <p:stCondLst>
                                     <p:cond delay="0"/>
                                   </p:stCondLst>
                                   <p:childTnLst>
                                     <p:set>
                                       <p:cBhvr>
-                                        <p:cTn id="116" dur="1" fill="hold">
+                                        <p:cTn id="118" dur="1" fill="hold">
                                           <p:stCondLst>
                                             <p:cond delay="0"/>
                                           </p:stCondLst>
                                         </p:cTn>
                                         <p:tgtEl>
-                                          <p:spTgt spid="44"/>
+                                          <p:spTgt spid="45"/>
+                                        </p:tgtEl>
+                                        <p:attrNameLst>
+                                          <p:attrName>style.visibility</p:attrName>
+                                        </p:attrNameLst>
+                                      </p:cBhvr>
+                                      <p:to>
+                                        <p:strVal val="visible"/>
+                                      </p:to>
+                                    </p:set>
+                                  </p:childTnLst>
+                                </p:cTn>
+                              </p:par>
+                            </p:childTnLst>
+                          </p:cTn>
+                        </p:par>
+                      </p:childTnLst>
+                    </p:cTn>
+                  </p:par>
+                  <p:par>
+                    <p:cTn id="119" fill="hold">
+                      <p:stCondLst>
+                        <p:cond delay="indefinite"/>
+                      </p:stCondLst>
+                      <p:childTnLst>
+                        <p:par>
+                          <p:cTn id="120" fill="hold">
+                            <p:stCondLst>
+                              <p:cond delay="0"/>
+                            </p:stCondLst>
+                            <p:childTnLst>
+                              <p:par>
+                                <p:cTn id="121" presetID="1" presetClass="entr" presetSubtype="0" fill="hold" grpId="0" nodeType="clickEffect">
+                                  <p:stCondLst>
+                                    <p:cond delay="0"/>
+                                  </p:stCondLst>
+                                  <p:childTnLst>
+                                    <p:set>
+                                      <p:cBhvr>
+                                        <p:cTn id="122" dur="1" fill="hold">
+                                          <p:stCondLst>
+                                            <p:cond delay="0"/>
+                                          </p:stCondLst>
+                                        </p:cTn>
+                                        <p:tgtEl>
+                                          <p:spTgt spid="50"/>
+                                        </p:tgtEl>
+                                        <p:attrNameLst>
+                                          <p:attrName>style.visibility</p:attrName>
+                                        </p:attrNameLst>
+                                      </p:cBhvr>
+                                      <p:to>
+                                        <p:strVal val="visible"/>
+                                      </p:to>
+                                    </p:set>
+                                  </p:childTnLst>
+                                </p:cTn>
+                              </p:par>
+                            </p:childTnLst>
+                          </p:cTn>
+                        </p:par>
+                      </p:childTnLst>
+                    </p:cTn>
+                  </p:par>
+                  <p:par>
+                    <p:cTn id="123" fill="hold">
+                      <p:stCondLst>
+                        <p:cond delay="indefinite"/>
+                      </p:stCondLst>
+                      <p:childTnLst>
+                        <p:par>
+                          <p:cTn id="124" fill="hold">
+                            <p:stCondLst>
+                              <p:cond delay="0"/>
+                            </p:stCondLst>
+                            <p:childTnLst>
+                              <p:par>
+                                <p:cTn id="125" presetID="1" presetClass="entr" presetSubtype="0" fill="hold" grpId="0" nodeType="clickEffect">
+                                  <p:stCondLst>
+                                    <p:cond delay="0"/>
+                                  </p:stCondLst>
+                                  <p:childTnLst>
+                                    <p:set>
+                                      <p:cBhvr>
+                                        <p:cTn id="126" dur="1" fill="hold">
+                                          <p:stCondLst>
+                                            <p:cond delay="0"/>
+                                          </p:stCondLst>
+                                        </p:cTn>
+                                        <p:tgtEl>
+                                          <p:spTgt spid="51"/>
+                                        </p:tgtEl>
+                                        <p:attrNameLst>
+                                          <p:attrName>style.visibility</p:attrName>
+                                        </p:attrNameLst>
+                                      </p:cBhvr>
+                                      <p:to>
+                                        <p:strVal val="visible"/>
+                                      </p:to>
+                                    </p:set>
+                                  </p:childTnLst>
+                                </p:cTn>
+                              </p:par>
+                            </p:childTnLst>
+                          </p:cTn>
+                        </p:par>
+                      </p:childTnLst>
+                    </p:cTn>
+                  </p:par>
+                  <p:par>
+                    <p:cTn id="127" fill="hold">
+                      <p:stCondLst>
+                        <p:cond delay="indefinite"/>
+                      </p:stCondLst>
+                      <p:childTnLst>
+                        <p:par>
+                          <p:cTn id="128" fill="hold">
+                            <p:stCondLst>
+                              <p:cond delay="0"/>
+                            </p:stCondLst>
+                            <p:childTnLst>
+                              <p:par>
+                                <p:cTn id="129" presetID="1" presetClass="entr" presetSubtype="0" fill="hold" grpId="0" nodeType="clickEffect">
+                                  <p:stCondLst>
+                                    <p:cond delay="0"/>
+                                  </p:stCondLst>
+                                  <p:childTnLst>
+                                    <p:set>
+                                      <p:cBhvr>
+                                        <p:cTn id="130" dur="1" fill="hold">
+                                          <p:stCondLst>
+                                            <p:cond delay="0"/>
+                                          </p:stCondLst>
+                                        </p:cTn>
+                                        <p:tgtEl>
+                                          <p:spTgt spid="52"/>
                                         </p:tgtEl>
                                         <p:attrNameLst>
                                           <p:attrName>style.visibility</p:attrName>
@@ -6307,7 +6758,6 @@
       <p:bldP spid="27" grpId="0" animBg="1"/>
       <p:bldP spid="28" grpId="0" animBg="1"/>
       <p:bldP spid="29" grpId="0" animBg="1"/>
-      <p:bldP spid="32" grpId="0" animBg="1"/>
       <p:bldP spid="33" grpId="0" animBg="1"/>
       <p:bldP spid="39" grpId="0" animBg="1"/>
       <p:bldP spid="4" grpId="0" animBg="1"/>
@@ -6316,6 +6766,11 @@
       <p:bldP spid="54" grpId="0" animBg="1"/>
       <p:bldP spid="41" grpId="0" animBg="1"/>
       <p:bldP spid="44" grpId="0"/>
+      <p:bldP spid="45" grpId="0"/>
+      <p:bldP spid="50" grpId="0"/>
+      <p:bldP spid="51" grpId="0"/>
+      <p:bldP spid="52" grpId="0" animBg="1"/>
+      <p:bldP spid="32" grpId="0" animBg="1"/>
     </p:bldLst>
   </p:timing>
 </p:sld>
@@ -6576,7 +7031,7 @@
   <a:extraClrSchemeLst/>
   <a:extLst>
     <a:ext uri="{05A4C25C-085E-4340-85A3-A5531E510DB2}">
-      <thm15:themeFamily xmlns:thm15="http://schemas.microsoft.com/office/thememl/2012/main" name="Office Theme" id="{62F939B6-93AF-4DB8-9C6B-D6C7DFDC589F}" vid="{4A3C46E8-61CC-4603-A589-7422A47A8E4A}"/>
+      <thm15:themeFamily xmlns:thm15="http://schemas.microsoft.com/office/thememl/2012/main" xmlns="" name="Office Theme" id="{62F939B6-93AF-4DB8-9C6B-D6C7DFDC589F}" vid="{4A3C46E8-61CC-4603-A589-7422A47A8E4A}"/>
     </a:ext>
   </a:extLst>
 </a:theme>
